--- a/LC5/LC5.pptx
+++ b/LC5/LC5.pptx
@@ -210,7 +210,7 @@
           <a:p>
             <a:fld id="{60C180EF-3126-4694-821E-5FE3D00D910A}" type="datetimeFigureOut">
               <a:rPr lang="fr-FR" smtClean="0"/>
-              <a:t>11/05/2020</a:t>
+              <a:t>12/06/2020</a:t>
             </a:fld>
             <a:endParaRPr lang="fr-FR"/>
           </a:p>
@@ -609,7 +609,7 @@
           <a:p>
             <a:fld id="{EBC4EE8A-CDA4-44F7-A61F-855868FB9019}" type="datetimeFigureOut">
               <a:rPr lang="en-US" smtClean="0"/>
-              <a:t>5/11/2020</a:t>
+              <a:t>6/12/2020</a:t>
             </a:fld>
             <a:endParaRPr lang="en-US"/>
           </a:p>
@@ -779,7 +779,7 @@
           <a:p>
             <a:fld id="{EBC4EE8A-CDA4-44F7-A61F-855868FB9019}" type="datetimeFigureOut">
               <a:rPr lang="en-US" smtClean="0"/>
-              <a:t>5/11/2020</a:t>
+              <a:t>6/12/2020</a:t>
             </a:fld>
             <a:endParaRPr lang="en-US"/>
           </a:p>
@@ -959,7 +959,7 @@
           <a:p>
             <a:fld id="{EBC4EE8A-CDA4-44F7-A61F-855868FB9019}" type="datetimeFigureOut">
               <a:rPr lang="en-US" smtClean="0"/>
-              <a:t>5/11/2020</a:t>
+              <a:t>6/12/2020</a:t>
             </a:fld>
             <a:endParaRPr lang="en-US"/>
           </a:p>
@@ -1129,7 +1129,7 @@
           <a:p>
             <a:fld id="{EBC4EE8A-CDA4-44F7-A61F-855868FB9019}" type="datetimeFigureOut">
               <a:rPr lang="en-US" smtClean="0"/>
-              <a:t>5/11/2020</a:t>
+              <a:t>6/12/2020</a:t>
             </a:fld>
             <a:endParaRPr lang="en-US"/>
           </a:p>
@@ -1375,7 +1375,7 @@
           <a:p>
             <a:fld id="{EBC4EE8A-CDA4-44F7-A61F-855868FB9019}" type="datetimeFigureOut">
               <a:rPr lang="en-US" smtClean="0"/>
-              <a:t>5/11/2020</a:t>
+              <a:t>6/12/2020</a:t>
             </a:fld>
             <a:endParaRPr lang="en-US"/>
           </a:p>
@@ -1607,7 +1607,7 @@
           <a:p>
             <a:fld id="{EBC4EE8A-CDA4-44F7-A61F-855868FB9019}" type="datetimeFigureOut">
               <a:rPr lang="en-US" smtClean="0"/>
-              <a:t>5/11/2020</a:t>
+              <a:t>6/12/2020</a:t>
             </a:fld>
             <a:endParaRPr lang="en-US"/>
           </a:p>
@@ -1974,7 +1974,7 @@
           <a:p>
             <a:fld id="{EBC4EE8A-CDA4-44F7-A61F-855868FB9019}" type="datetimeFigureOut">
               <a:rPr lang="en-US" smtClean="0"/>
-              <a:t>5/11/2020</a:t>
+              <a:t>6/12/2020</a:t>
             </a:fld>
             <a:endParaRPr lang="en-US"/>
           </a:p>
@@ -2092,7 +2092,7 @@
           <a:p>
             <a:fld id="{EBC4EE8A-CDA4-44F7-A61F-855868FB9019}" type="datetimeFigureOut">
               <a:rPr lang="en-US" smtClean="0"/>
-              <a:t>5/11/2020</a:t>
+              <a:t>6/12/2020</a:t>
             </a:fld>
             <a:endParaRPr lang="en-US"/>
           </a:p>
@@ -2187,7 +2187,7 @@
           <a:p>
             <a:fld id="{EBC4EE8A-CDA4-44F7-A61F-855868FB9019}" type="datetimeFigureOut">
               <a:rPr lang="en-US" smtClean="0"/>
-              <a:t>5/11/2020</a:t>
+              <a:t>6/12/2020</a:t>
             </a:fld>
             <a:endParaRPr lang="en-US"/>
           </a:p>
@@ -2464,7 +2464,7 @@
           <a:p>
             <a:fld id="{EBC4EE8A-CDA4-44F7-A61F-855868FB9019}" type="datetimeFigureOut">
               <a:rPr lang="en-US" smtClean="0"/>
-              <a:t>5/11/2020</a:t>
+              <a:t>6/12/2020</a:t>
             </a:fld>
             <a:endParaRPr lang="en-US"/>
           </a:p>
@@ -2717,7 +2717,7 @@
           <a:p>
             <a:fld id="{EBC4EE8A-CDA4-44F7-A61F-855868FB9019}" type="datetimeFigureOut">
               <a:rPr lang="en-US" smtClean="0"/>
-              <a:t>5/11/2020</a:t>
+              <a:t>6/12/2020</a:t>
             </a:fld>
             <a:endParaRPr lang="en-US"/>
           </a:p>
@@ -2930,7 +2930,7 @@
           <a:p>
             <a:fld id="{EBC4EE8A-CDA4-44F7-A61F-855868FB9019}" type="datetimeFigureOut">
               <a:rPr lang="en-US" smtClean="0"/>
-              <a:t>5/11/2020</a:t>
+              <a:t>6/12/2020</a:t>
             </a:fld>
             <a:endParaRPr lang="en-US"/>
           </a:p>
@@ -3682,15 +3682,7 @@
                   <a:srgbClr val="0070C0"/>
                 </a:solidFill>
               </a:rPr>
-              <a:t>Protection de </a:t>
-            </a:r>
-            <a:r>
-              <a:rPr lang="fr-FR" sz="4000" b="1" dirty="0" smtClean="0">
-                <a:solidFill>
-                  <a:srgbClr val="0070C0"/>
-                </a:solidFill>
-              </a:rPr>
-              <a:t>fonctions -</a:t>
+              <a:t>Protection de fonctions -</a:t>
             </a:r>
             <a:r>
               <a:rPr lang="fr-FR" sz="4000" b="1" dirty="0" err="1" smtClean="0">
@@ -4449,15 +4441,7 @@
                   <a:srgbClr val="0070C0"/>
                 </a:solidFill>
               </a:rPr>
-              <a:t> protocole de synthèse de </a:t>
-            </a:r>
-            <a:r>
-              <a:rPr lang="fr-FR" sz="4000" b="1" dirty="0" smtClean="0">
-                <a:solidFill>
-                  <a:srgbClr val="0070C0"/>
-                </a:solidFill>
-              </a:rPr>
-              <a:t>l’aspirine - OK</a:t>
+              <a:t> protocole de synthèse de l’aspirine - OK</a:t>
             </a:r>
             <a:endParaRPr lang="en-US" sz="4000" b="1" dirty="0">
               <a:solidFill>
@@ -4748,7 +4732,7 @@
           <p:cNvPr id="29" name="Espace réservé du contenu 7">
             <a:extLst>
               <a:ext uri="{FF2B5EF4-FFF2-40B4-BE49-F238E27FC236}">
-                <a16:creationId xmlns="" xmlns:a16="http://schemas.microsoft.com/office/drawing/2014/main" id="{5AFBDB64-EF64-4883-B815-CA444CC8733B}"/>
+                <a16:creationId xmlns:a16="http://schemas.microsoft.com/office/drawing/2014/main" xmlns="" id="{5AFBDB64-EF64-4883-B815-CA444CC8733B}"/>
               </a:ext>
             </a:extLst>
           </p:cNvPr>
